--- a/ISO_IEC_Document/mpegts/ppt/Mpegts 协议简介.pptx
+++ b/ISO_IEC_Document/mpegts/ppt/Mpegts 协议简介.pptx
@@ -5,32 +5,39 @@
     <p:sldMasterId id="2147483648" r:id="rId1"/>
   </p:sldMasterIdLst>
   <p:notesMasterIdLst>
-    <p:notesMasterId r:id="rId22"/>
+    <p:notesMasterId r:id="rId29"/>
   </p:notesMasterIdLst>
   <p:handoutMasterIdLst>
-    <p:handoutMasterId r:id="rId23"/>
+    <p:handoutMasterId r:id="rId30"/>
   </p:handoutMasterIdLst>
   <p:sldIdLst>
     <p:sldId id="270" r:id="rId2"/>
     <p:sldId id="271" r:id="rId3"/>
-    <p:sldId id="272" r:id="rId4"/>
-    <p:sldId id="273" r:id="rId5"/>
-    <p:sldId id="274" r:id="rId6"/>
-    <p:sldId id="283" r:id="rId7"/>
-    <p:sldId id="279" r:id="rId8"/>
-    <p:sldId id="285" r:id="rId9"/>
-    <p:sldId id="281" r:id="rId10"/>
-    <p:sldId id="282" r:id="rId11"/>
-    <p:sldId id="286" r:id="rId12"/>
-    <p:sldId id="287" r:id="rId13"/>
-    <p:sldId id="278" r:id="rId14"/>
-    <p:sldId id="284" r:id="rId15"/>
-    <p:sldId id="275" r:id="rId16"/>
-    <p:sldId id="288" r:id="rId17"/>
-    <p:sldId id="277" r:id="rId18"/>
-    <p:sldId id="276" r:id="rId19"/>
-    <p:sldId id="289" r:id="rId20"/>
-    <p:sldId id="260" r:id="rId21"/>
+    <p:sldId id="290" r:id="rId4"/>
+    <p:sldId id="291" r:id="rId5"/>
+    <p:sldId id="272" r:id="rId6"/>
+    <p:sldId id="292" r:id="rId7"/>
+    <p:sldId id="294" r:id="rId8"/>
+    <p:sldId id="296" r:id="rId9"/>
+    <p:sldId id="293" r:id="rId10"/>
+    <p:sldId id="273" r:id="rId11"/>
+    <p:sldId id="295" r:id="rId12"/>
+    <p:sldId id="274" r:id="rId13"/>
+    <p:sldId id="283" r:id="rId14"/>
+    <p:sldId id="297" r:id="rId15"/>
+    <p:sldId id="279" r:id="rId16"/>
+    <p:sldId id="285" r:id="rId17"/>
+    <p:sldId id="281" r:id="rId18"/>
+    <p:sldId id="282" r:id="rId19"/>
+    <p:sldId id="286" r:id="rId20"/>
+    <p:sldId id="287" r:id="rId21"/>
+    <p:sldId id="278" r:id="rId22"/>
+    <p:sldId id="284" r:id="rId23"/>
+    <p:sldId id="275" r:id="rId24"/>
+    <p:sldId id="288" r:id="rId25"/>
+    <p:sldId id="277" r:id="rId26"/>
+    <p:sldId id="276" r:id="rId27"/>
+    <p:sldId id="260" r:id="rId28"/>
   </p:sldIdLst>
   <p:sldSz cx="9144000" cy="5143500" type="screen16x9"/>
   <p:notesSz cx="6858000" cy="9144000"/>
@@ -249,7 +256,7 @@
             <a:fld id="{00B8E395-5B39-49C6-9E42-6E61D338186D}" type="datetimeFigureOut">
               <a:rPr lang="zh-CN" altLang="en-US" smtClean="0"/>
               <a:pPr/>
-              <a:t>2018/2/28</a:t>
+              <a:t>2018/3/5</a:t>
             </a:fld>
             <a:endParaRPr lang="zh-CN" altLang="en-US"/>
           </a:p>
@@ -416,7 +423,7 @@
             <a:fld id="{65D047C7-5719-499B-863C-38F90E72BFFD}" type="datetimeFigureOut">
               <a:rPr lang="zh-CN" altLang="en-US" smtClean="0"/>
               <a:pPr/>
-              <a:t>2018/2/28</a:t>
+              <a:t>2018/3/5</a:t>
             </a:fld>
             <a:endParaRPr lang="zh-CN" altLang="en-US"/>
           </a:p>
@@ -1805,6 +1812,706 @@
           <a:p>
             <a:r>
               <a:rPr lang="en-US" altLang="zh-CN" dirty="0" smtClean="0"/>
+              <a:t>Program Association Table</a:t>
+            </a:r>
+            <a:endParaRPr lang="zh-CN" altLang="en-US" dirty="0"/>
+          </a:p>
+        </p:txBody>
+      </p:sp>
+      <p:pic>
+        <p:nvPicPr>
+          <p:cNvPr id="4" name="图片 3"/>
+          <p:cNvPicPr>
+            <a:picLocks noChangeAspect="1"/>
+          </p:cNvPicPr>
+          <p:nvPr/>
+        </p:nvPicPr>
+        <p:blipFill>
+          <a:blip r:embed="rId2">
+            <a:extLst>
+              <a:ext uri="{28A0092B-C50C-407E-A947-70E740481C1C}">
+                <a14:useLocalDpi xmlns:a14="http://schemas.microsoft.com/office/drawing/2010/main" val="0"/>
+              </a:ext>
+            </a:extLst>
+          </a:blip>
+          <a:stretch>
+            <a:fillRect/>
+          </a:stretch>
+        </p:blipFill>
+        <p:spPr>
+          <a:xfrm>
+            <a:off x="395536" y="771550"/>
+            <a:ext cx="6768752" cy="4192008"/>
+          </a:xfrm>
+          <a:prstGeom prst="rect">
+            <a:avLst/>
+          </a:prstGeom>
+        </p:spPr>
+      </p:pic>
+    </p:spTree>
+    <p:extLst>
+      <p:ext uri="{BB962C8B-B14F-4D97-AF65-F5344CB8AC3E}">
+        <p14:creationId xmlns:p14="http://schemas.microsoft.com/office/powerpoint/2010/main" val="369490934"/>
+      </p:ext>
+    </p:extLst>
+  </p:cSld>
+  <p:clrMapOvr>
+    <a:masterClrMapping/>
+  </p:clrMapOvr>
+  <p:timing>
+    <p:tnLst>
+      <p:par>
+        <p:cTn id="1" dur="indefinite" restart="never" nodeType="tmRoot"/>
+      </p:par>
+    </p:tnLst>
+  </p:timing>
+</p:sld>
+</file>
+
+<file path=ppt/slides/slide11.xml><?xml version="1.0" encoding="utf-8"?>
+<p:sld xmlns:a="http://schemas.openxmlformats.org/drawingml/2006/main" xmlns:r="http://schemas.openxmlformats.org/officeDocument/2006/relationships" xmlns:p="http://schemas.openxmlformats.org/presentationml/2006/main">
+  <p:cSld>
+    <p:spTree>
+      <p:nvGrpSpPr>
+        <p:cNvPr id="1" name=""/>
+        <p:cNvGrpSpPr/>
+        <p:nvPr/>
+      </p:nvGrpSpPr>
+      <p:grpSpPr>
+        <a:xfrm>
+          <a:off x="0" y="0"/>
+          <a:ext cx="0" cy="0"/>
+          <a:chOff x="0" y="0"/>
+          <a:chExt cx="0" cy="0"/>
+        </a:xfrm>
+      </p:grpSpPr>
+      <p:sp>
+        <p:nvSpPr>
+          <p:cNvPr id="2" name="标题 1"/>
+          <p:cNvSpPr>
+            <a:spLocks noGrp="1"/>
+          </p:cNvSpPr>
+          <p:nvPr>
+            <p:ph type="title"/>
+          </p:nvPr>
+        </p:nvSpPr>
+        <p:spPr/>
+        <p:txBody>
+          <a:bodyPr/>
+          <a:lstStyle/>
+          <a:p>
+            <a:r>
+              <a:rPr lang="en-US" altLang="zh-CN" dirty="0"/>
+              <a:t>Program Map Table</a:t>
+            </a:r>
+            <a:endParaRPr lang="zh-CN" altLang="en-US" dirty="0"/>
+          </a:p>
+        </p:txBody>
+      </p:sp>
+      <p:pic>
+        <p:nvPicPr>
+          <p:cNvPr id="4" name="内容占位符 3"/>
+          <p:cNvPicPr>
+            <a:picLocks noGrp="1" noChangeAspect="1"/>
+          </p:cNvPicPr>
+          <p:nvPr>
+            <p:ph idx="1"/>
+          </p:nvPr>
+        </p:nvPicPr>
+        <p:blipFill>
+          <a:blip r:embed="rId2">
+            <a:extLst>
+              <a:ext uri="{28A0092B-C50C-407E-A947-70E740481C1C}">
+                <a14:useLocalDpi xmlns:a14="http://schemas.microsoft.com/office/drawing/2010/main" val="0"/>
+              </a:ext>
+            </a:extLst>
+          </a:blip>
+          <a:stretch>
+            <a:fillRect/>
+          </a:stretch>
+        </p:blipFill>
+        <p:spPr>
+          <a:xfrm>
+            <a:off x="899592" y="915566"/>
+            <a:ext cx="6879957" cy="3671887"/>
+          </a:xfrm>
+        </p:spPr>
+      </p:pic>
+    </p:spTree>
+    <p:extLst>
+      <p:ext uri="{BB962C8B-B14F-4D97-AF65-F5344CB8AC3E}">
+        <p14:creationId xmlns:p14="http://schemas.microsoft.com/office/powerpoint/2010/main" val="1090985055"/>
+      </p:ext>
+    </p:extLst>
+  </p:cSld>
+  <p:clrMapOvr>
+    <a:masterClrMapping/>
+  </p:clrMapOvr>
+</p:sld>
+</file>
+
+<file path=ppt/slides/slide12.xml><?xml version="1.0" encoding="utf-8"?>
+<p:sld xmlns:a="http://schemas.openxmlformats.org/drawingml/2006/main" xmlns:r="http://schemas.openxmlformats.org/officeDocument/2006/relationships" xmlns:p="http://schemas.openxmlformats.org/presentationml/2006/main">
+  <p:cSld>
+    <p:spTree>
+      <p:nvGrpSpPr>
+        <p:cNvPr id="1" name=""/>
+        <p:cNvGrpSpPr/>
+        <p:nvPr/>
+      </p:nvGrpSpPr>
+      <p:grpSpPr>
+        <a:xfrm>
+          <a:off x="0" y="0"/>
+          <a:ext cx="0" cy="0"/>
+          <a:chOff x="0" y="0"/>
+          <a:chExt cx="0" cy="0"/>
+        </a:xfrm>
+      </p:grpSpPr>
+      <p:sp>
+        <p:nvSpPr>
+          <p:cNvPr id="2" name="标题 1"/>
+          <p:cNvSpPr>
+            <a:spLocks noGrp="1"/>
+          </p:cNvSpPr>
+          <p:nvPr>
+            <p:ph type="title"/>
+          </p:nvPr>
+        </p:nvSpPr>
+        <p:spPr/>
+        <p:txBody>
+          <a:bodyPr/>
+          <a:lstStyle/>
+          <a:p>
+            <a:r>
+              <a:rPr lang="en-US" altLang="zh-CN" dirty="0" smtClean="0"/>
+              <a:t>Program Map Table</a:t>
+            </a:r>
+            <a:endParaRPr lang="zh-CN" altLang="en-US" dirty="0"/>
+          </a:p>
+        </p:txBody>
+      </p:sp>
+      <p:pic>
+        <p:nvPicPr>
+          <p:cNvPr id="5" name="图片 4"/>
+          <p:cNvPicPr>
+            <a:picLocks noChangeAspect="1"/>
+          </p:cNvPicPr>
+          <p:nvPr/>
+        </p:nvPicPr>
+        <p:blipFill>
+          <a:blip r:embed="rId2">
+            <a:extLst>
+              <a:ext uri="{28A0092B-C50C-407E-A947-70E740481C1C}">
+                <a14:useLocalDpi xmlns:a14="http://schemas.microsoft.com/office/drawing/2010/main" val="0"/>
+              </a:ext>
+            </a:extLst>
+          </a:blip>
+          <a:stretch>
+            <a:fillRect/>
+          </a:stretch>
+        </p:blipFill>
+        <p:spPr>
+          <a:xfrm>
+            <a:off x="1043608" y="843558"/>
+            <a:ext cx="6648450" cy="4185071"/>
+          </a:xfrm>
+          <a:prstGeom prst="rect">
+            <a:avLst/>
+          </a:prstGeom>
+        </p:spPr>
+      </p:pic>
+    </p:spTree>
+    <p:extLst>
+      <p:ext uri="{BB962C8B-B14F-4D97-AF65-F5344CB8AC3E}">
+        <p14:creationId xmlns:p14="http://schemas.microsoft.com/office/powerpoint/2010/main" val="1012964124"/>
+      </p:ext>
+    </p:extLst>
+  </p:cSld>
+  <p:clrMapOvr>
+    <a:masterClrMapping/>
+  </p:clrMapOvr>
+  <p:timing>
+    <p:tnLst>
+      <p:par>
+        <p:cTn id="1" dur="indefinite" restart="never" nodeType="tmRoot"/>
+      </p:par>
+    </p:tnLst>
+  </p:timing>
+</p:sld>
+</file>
+
+<file path=ppt/slides/slide13.xml><?xml version="1.0" encoding="utf-8"?>
+<p:sld xmlns:a="http://schemas.openxmlformats.org/drawingml/2006/main" xmlns:r="http://schemas.openxmlformats.org/officeDocument/2006/relationships" xmlns:p="http://schemas.openxmlformats.org/presentationml/2006/main">
+  <p:cSld>
+    <p:spTree>
+      <p:nvGrpSpPr>
+        <p:cNvPr id="1" name=""/>
+        <p:cNvGrpSpPr/>
+        <p:nvPr/>
+      </p:nvGrpSpPr>
+      <p:grpSpPr>
+        <a:xfrm>
+          <a:off x="0" y="0"/>
+          <a:ext cx="0" cy="0"/>
+          <a:chOff x="0" y="0"/>
+          <a:chExt cx="0" cy="0"/>
+        </a:xfrm>
+      </p:grpSpPr>
+      <p:sp>
+        <p:nvSpPr>
+          <p:cNvPr id="2" name="标题 1"/>
+          <p:cNvSpPr>
+            <a:spLocks noGrp="1"/>
+          </p:cNvSpPr>
+          <p:nvPr>
+            <p:ph type="title"/>
+          </p:nvPr>
+        </p:nvSpPr>
+        <p:spPr/>
+        <p:txBody>
+          <a:bodyPr/>
+          <a:lstStyle/>
+          <a:p>
+            <a:r>
+              <a:rPr lang="en-US" altLang="zh-CN" dirty="0" smtClean="0"/>
+              <a:t>Stream Type</a:t>
+            </a:r>
+            <a:endParaRPr lang="zh-CN" altLang="en-US" dirty="0"/>
+          </a:p>
+        </p:txBody>
+      </p:sp>
+      <p:pic>
+        <p:nvPicPr>
+          <p:cNvPr id="6" name="内容占位符 5"/>
+          <p:cNvPicPr>
+            <a:picLocks noGrp="1" noChangeAspect="1"/>
+          </p:cNvPicPr>
+          <p:nvPr>
+            <p:ph idx="1"/>
+          </p:nvPr>
+        </p:nvPicPr>
+        <p:blipFill>
+          <a:blip r:embed="rId2">
+            <a:extLst>
+              <a:ext uri="{28A0092B-C50C-407E-A947-70E740481C1C}">
+                <a14:useLocalDpi xmlns:a14="http://schemas.microsoft.com/office/drawing/2010/main" val="0"/>
+              </a:ext>
+            </a:extLst>
+          </a:blip>
+          <a:stretch>
+            <a:fillRect/>
+          </a:stretch>
+        </p:blipFill>
+        <p:spPr>
+          <a:xfrm>
+            <a:off x="1187624" y="843558"/>
+            <a:ext cx="5114767" cy="4032026"/>
+          </a:xfrm>
+        </p:spPr>
+      </p:pic>
+    </p:spTree>
+    <p:extLst>
+      <p:ext uri="{BB962C8B-B14F-4D97-AF65-F5344CB8AC3E}">
+        <p14:creationId xmlns:p14="http://schemas.microsoft.com/office/powerpoint/2010/main" val="1796397873"/>
+      </p:ext>
+    </p:extLst>
+  </p:cSld>
+  <p:clrMapOvr>
+    <a:masterClrMapping/>
+  </p:clrMapOvr>
+  <p:timing>
+    <p:tnLst>
+      <p:par>
+        <p:cTn id="1" dur="indefinite" restart="never" nodeType="tmRoot"/>
+      </p:par>
+    </p:tnLst>
+  </p:timing>
+</p:sld>
+</file>
+
+<file path=ppt/slides/slide14.xml><?xml version="1.0" encoding="utf-8"?>
+<p:sld xmlns:a="http://schemas.openxmlformats.org/drawingml/2006/main" xmlns:r="http://schemas.openxmlformats.org/officeDocument/2006/relationships" xmlns:p="http://schemas.openxmlformats.org/presentationml/2006/main">
+  <p:cSld>
+    <p:spTree>
+      <p:nvGrpSpPr>
+        <p:cNvPr id="1" name=""/>
+        <p:cNvGrpSpPr/>
+        <p:nvPr/>
+      </p:nvGrpSpPr>
+      <p:grpSpPr>
+        <a:xfrm>
+          <a:off x="0" y="0"/>
+          <a:ext cx="0" cy="0"/>
+          <a:chOff x="0" y="0"/>
+          <a:chExt cx="0" cy="0"/>
+        </a:xfrm>
+      </p:grpSpPr>
+      <p:sp>
+        <p:nvSpPr>
+          <p:cNvPr id="2" name="标题 1"/>
+          <p:cNvSpPr>
+            <a:spLocks noGrp="1"/>
+          </p:cNvSpPr>
+          <p:nvPr>
+            <p:ph type="title"/>
+          </p:nvPr>
+        </p:nvSpPr>
+        <p:spPr/>
+        <p:txBody>
+          <a:bodyPr/>
+          <a:lstStyle/>
+          <a:p>
+            <a:r>
+              <a:rPr lang="en-US" altLang="zh-CN" dirty="0"/>
+              <a:t>Descriptors</a:t>
+            </a:r>
+            <a:endParaRPr lang="zh-CN" altLang="en-US" dirty="0"/>
+          </a:p>
+        </p:txBody>
+      </p:sp>
+      <p:pic>
+        <p:nvPicPr>
+          <p:cNvPr id="4" name="内容占位符 3"/>
+          <p:cNvPicPr>
+            <a:picLocks noGrp="1" noChangeAspect="1"/>
+          </p:cNvPicPr>
+          <p:nvPr>
+            <p:ph idx="1"/>
+          </p:nvPr>
+        </p:nvPicPr>
+        <p:blipFill>
+          <a:blip r:embed="rId2">
+            <a:extLst>
+              <a:ext uri="{28A0092B-C50C-407E-A947-70E740481C1C}">
+                <a14:useLocalDpi xmlns:a14="http://schemas.microsoft.com/office/drawing/2010/main" val="0"/>
+              </a:ext>
+            </a:extLst>
+          </a:blip>
+          <a:stretch>
+            <a:fillRect/>
+          </a:stretch>
+        </p:blipFill>
+        <p:spPr>
+          <a:xfrm>
+            <a:off x="1632913" y="915988"/>
+            <a:ext cx="5805148" cy="3671887"/>
+          </a:xfrm>
+        </p:spPr>
+      </p:pic>
+    </p:spTree>
+    <p:extLst>
+      <p:ext uri="{BB962C8B-B14F-4D97-AF65-F5344CB8AC3E}">
+        <p14:creationId xmlns:p14="http://schemas.microsoft.com/office/powerpoint/2010/main" val="2338096777"/>
+      </p:ext>
+    </p:extLst>
+  </p:cSld>
+  <p:clrMapOvr>
+    <a:masterClrMapping/>
+  </p:clrMapOvr>
+</p:sld>
+</file>
+
+<file path=ppt/slides/slide15.xml><?xml version="1.0" encoding="utf-8"?>
+<p:sld xmlns:a="http://schemas.openxmlformats.org/drawingml/2006/main" xmlns:r="http://schemas.openxmlformats.org/officeDocument/2006/relationships" xmlns:p="http://schemas.openxmlformats.org/presentationml/2006/main">
+  <p:cSld>
+    <p:spTree>
+      <p:nvGrpSpPr>
+        <p:cNvPr id="1" name=""/>
+        <p:cNvGrpSpPr/>
+        <p:nvPr/>
+      </p:nvGrpSpPr>
+      <p:grpSpPr>
+        <a:xfrm>
+          <a:off x="0" y="0"/>
+          <a:ext cx="0" cy="0"/>
+          <a:chOff x="0" y="0"/>
+          <a:chExt cx="0" cy="0"/>
+        </a:xfrm>
+      </p:grpSpPr>
+      <p:sp>
+        <p:nvSpPr>
+          <p:cNvPr id="2" name="标题 1"/>
+          <p:cNvSpPr>
+            <a:spLocks noGrp="1"/>
+          </p:cNvSpPr>
+          <p:nvPr>
+            <p:ph type="title"/>
+          </p:nvPr>
+        </p:nvSpPr>
+        <p:spPr/>
+        <p:txBody>
+          <a:bodyPr/>
+          <a:lstStyle/>
+          <a:p>
+            <a:r>
+              <a:rPr lang="en-US" altLang="zh-CN" dirty="0" smtClean="0"/>
+              <a:t>Descriptors</a:t>
+            </a:r>
+            <a:endParaRPr lang="zh-CN" altLang="en-US" dirty="0"/>
+          </a:p>
+        </p:txBody>
+      </p:sp>
+      <p:pic>
+        <p:nvPicPr>
+          <p:cNvPr id="4" name="内容占位符 3"/>
+          <p:cNvPicPr>
+            <a:picLocks noGrp="1" noChangeAspect="1"/>
+          </p:cNvPicPr>
+          <p:nvPr>
+            <p:ph idx="1"/>
+          </p:nvPr>
+        </p:nvPicPr>
+        <p:blipFill>
+          <a:blip r:embed="rId2">
+            <a:extLst>
+              <a:ext uri="{28A0092B-C50C-407E-A947-70E740481C1C}">
+                <a14:useLocalDpi xmlns:a14="http://schemas.microsoft.com/office/drawing/2010/main" val="0"/>
+              </a:ext>
+            </a:extLst>
+          </a:blip>
+          <a:stretch>
+            <a:fillRect/>
+          </a:stretch>
+        </p:blipFill>
+        <p:spPr>
+          <a:xfrm>
+            <a:off x="2697039" y="843558"/>
+            <a:ext cx="3676896" cy="3960440"/>
+          </a:xfrm>
+        </p:spPr>
+      </p:pic>
+    </p:spTree>
+    <p:extLst>
+      <p:ext uri="{BB962C8B-B14F-4D97-AF65-F5344CB8AC3E}">
+        <p14:creationId xmlns:p14="http://schemas.microsoft.com/office/powerpoint/2010/main" val="1358198774"/>
+      </p:ext>
+    </p:extLst>
+  </p:cSld>
+  <p:clrMapOvr>
+    <a:masterClrMapping/>
+  </p:clrMapOvr>
+  <p:timing>
+    <p:tnLst>
+      <p:par>
+        <p:cTn id="1" dur="indefinite" restart="never" nodeType="tmRoot"/>
+      </p:par>
+    </p:tnLst>
+  </p:timing>
+</p:sld>
+</file>
+
+<file path=ppt/slides/slide16.xml><?xml version="1.0" encoding="utf-8"?>
+<p:sld xmlns:a="http://schemas.openxmlformats.org/drawingml/2006/main" xmlns:r="http://schemas.openxmlformats.org/officeDocument/2006/relationships" xmlns:p="http://schemas.openxmlformats.org/presentationml/2006/main">
+  <p:cSld>
+    <p:spTree>
+      <p:nvGrpSpPr>
+        <p:cNvPr id="1" name=""/>
+        <p:cNvGrpSpPr/>
+        <p:nvPr/>
+      </p:nvGrpSpPr>
+      <p:grpSpPr>
+        <a:xfrm>
+          <a:off x="0" y="0"/>
+          <a:ext cx="0" cy="0"/>
+          <a:chOff x="0" y="0"/>
+          <a:chExt cx="0" cy="0"/>
+        </a:xfrm>
+      </p:grpSpPr>
+      <p:sp>
+        <p:nvSpPr>
+          <p:cNvPr id="2" name="标题 1"/>
+          <p:cNvSpPr>
+            <a:spLocks noGrp="1"/>
+          </p:cNvSpPr>
+          <p:nvPr>
+            <p:ph type="title"/>
+          </p:nvPr>
+        </p:nvSpPr>
+        <p:spPr/>
+        <p:txBody>
+          <a:bodyPr/>
+          <a:lstStyle/>
+          <a:p>
+            <a:r>
+              <a:rPr lang="en-US" altLang="zh-CN" dirty="0" smtClean="0"/>
+              <a:t>Descriptor Tags</a:t>
+            </a:r>
+            <a:endParaRPr lang="zh-CN" altLang="en-US" dirty="0"/>
+          </a:p>
+        </p:txBody>
+      </p:sp>
+      <p:pic>
+        <p:nvPicPr>
+          <p:cNvPr id="4" name="内容占位符 3"/>
+          <p:cNvPicPr>
+            <a:picLocks noGrp="1" noChangeAspect="1"/>
+          </p:cNvPicPr>
+          <p:nvPr>
+            <p:ph idx="1"/>
+          </p:nvPr>
+        </p:nvPicPr>
+        <p:blipFill>
+          <a:blip r:embed="rId2">
+            <a:extLst>
+              <a:ext uri="{28A0092B-C50C-407E-A947-70E740481C1C}">
+                <a14:useLocalDpi xmlns:a14="http://schemas.microsoft.com/office/drawing/2010/main" val="0"/>
+              </a:ext>
+            </a:extLst>
+          </a:blip>
+          <a:stretch>
+            <a:fillRect/>
+          </a:stretch>
+        </p:blipFill>
+        <p:spPr>
+          <a:xfrm>
+            <a:off x="1547664" y="843558"/>
+            <a:ext cx="4417515" cy="4032026"/>
+          </a:xfrm>
+        </p:spPr>
+      </p:pic>
+    </p:spTree>
+    <p:extLst>
+      <p:ext uri="{BB962C8B-B14F-4D97-AF65-F5344CB8AC3E}">
+        <p14:creationId xmlns:p14="http://schemas.microsoft.com/office/powerpoint/2010/main" val="2672770762"/>
+      </p:ext>
+    </p:extLst>
+  </p:cSld>
+  <p:clrMapOvr>
+    <a:masterClrMapping/>
+  </p:clrMapOvr>
+  <p:timing>
+    <p:tnLst>
+      <p:par>
+        <p:cTn id="1" dur="indefinite" restart="never" nodeType="tmRoot"/>
+      </p:par>
+    </p:tnLst>
+  </p:timing>
+</p:sld>
+</file>
+
+<file path=ppt/slides/slide17.xml><?xml version="1.0" encoding="utf-8"?>
+<p:sld xmlns:a="http://schemas.openxmlformats.org/drawingml/2006/main" xmlns:r="http://schemas.openxmlformats.org/officeDocument/2006/relationships" xmlns:p="http://schemas.openxmlformats.org/presentationml/2006/main">
+  <p:cSld>
+    <p:spTree>
+      <p:nvGrpSpPr>
+        <p:cNvPr id="1" name=""/>
+        <p:cNvGrpSpPr/>
+        <p:nvPr/>
+      </p:nvGrpSpPr>
+      <p:grpSpPr>
+        <a:xfrm>
+          <a:off x="0" y="0"/>
+          <a:ext cx="0" cy="0"/>
+          <a:chOff x="0" y="0"/>
+          <a:chExt cx="0" cy="0"/>
+        </a:xfrm>
+      </p:grpSpPr>
+      <p:sp>
+        <p:nvSpPr>
+          <p:cNvPr id="2" name="标题 1"/>
+          <p:cNvSpPr>
+            <a:spLocks noGrp="1"/>
+          </p:cNvSpPr>
+          <p:nvPr>
+            <p:ph type="title"/>
+          </p:nvPr>
+        </p:nvSpPr>
+        <p:spPr/>
+        <p:txBody>
+          <a:bodyPr/>
+          <a:lstStyle/>
+          <a:p>
+            <a:r>
+              <a:rPr lang="en-US" altLang="zh-CN" dirty="0" smtClean="0"/>
+              <a:t>Registration Descriptor</a:t>
+            </a:r>
+            <a:endParaRPr lang="zh-CN" altLang="en-US" dirty="0"/>
+          </a:p>
+        </p:txBody>
+      </p:sp>
+      <p:pic>
+        <p:nvPicPr>
+          <p:cNvPr id="4" name="内容占位符 3"/>
+          <p:cNvPicPr>
+            <a:picLocks noGrp="1" noChangeAspect="1"/>
+          </p:cNvPicPr>
+          <p:nvPr>
+            <p:ph idx="1"/>
+          </p:nvPr>
+        </p:nvPicPr>
+        <p:blipFill>
+          <a:blip r:embed="rId2">
+            <a:extLst>
+              <a:ext uri="{28A0092B-C50C-407E-A947-70E740481C1C}">
+                <a14:useLocalDpi xmlns:a14="http://schemas.microsoft.com/office/drawing/2010/main" val="0"/>
+              </a:ext>
+            </a:extLst>
+          </a:blip>
+          <a:stretch>
+            <a:fillRect/>
+          </a:stretch>
+        </p:blipFill>
+        <p:spPr>
+          <a:xfrm>
+            <a:off x="1603703" y="915988"/>
+            <a:ext cx="5863569" cy="3671887"/>
+          </a:xfrm>
+        </p:spPr>
+      </p:pic>
+    </p:spTree>
+    <p:extLst>
+      <p:ext uri="{BB962C8B-B14F-4D97-AF65-F5344CB8AC3E}">
+        <p14:creationId xmlns:p14="http://schemas.microsoft.com/office/powerpoint/2010/main" val="2056758846"/>
+      </p:ext>
+    </p:extLst>
+  </p:cSld>
+  <p:clrMapOvr>
+    <a:masterClrMapping/>
+  </p:clrMapOvr>
+  <p:timing>
+    <p:tnLst>
+      <p:par>
+        <p:cTn id="1" dur="indefinite" restart="never" nodeType="tmRoot"/>
+      </p:par>
+    </p:tnLst>
+  </p:timing>
+</p:sld>
+</file>
+
+<file path=ppt/slides/slide18.xml><?xml version="1.0" encoding="utf-8"?>
+<p:sld xmlns:a="http://schemas.openxmlformats.org/drawingml/2006/main" xmlns:r="http://schemas.openxmlformats.org/officeDocument/2006/relationships" xmlns:p="http://schemas.openxmlformats.org/presentationml/2006/main">
+  <p:cSld>
+    <p:spTree>
+      <p:nvGrpSpPr>
+        <p:cNvPr id="1" name=""/>
+        <p:cNvGrpSpPr/>
+        <p:nvPr/>
+      </p:nvGrpSpPr>
+      <p:grpSpPr>
+        <a:xfrm>
+          <a:off x="0" y="0"/>
+          <a:ext cx="0" cy="0"/>
+          <a:chOff x="0" y="0"/>
+          <a:chExt cx="0" cy="0"/>
+        </a:xfrm>
+      </p:grpSpPr>
+      <p:sp>
+        <p:nvSpPr>
+          <p:cNvPr id="2" name="标题 1"/>
+          <p:cNvSpPr>
+            <a:spLocks noGrp="1"/>
+          </p:cNvSpPr>
+          <p:nvPr>
+            <p:ph type="title"/>
+          </p:nvPr>
+        </p:nvSpPr>
+        <p:spPr/>
+        <p:txBody>
+          <a:bodyPr/>
+          <a:lstStyle/>
+          <a:p>
+            <a:r>
+              <a:rPr lang="en-US" altLang="zh-CN" dirty="0" smtClean="0"/>
               <a:t>Private Data Descriptor</a:t>
             </a:r>
             <a:endParaRPr lang="zh-CN" altLang="en-US" dirty="0"/>
@@ -1860,7 +2567,7 @@
 </p:sld>
 </file>
 
-<file path=ppt/slides/slide11.xml><?xml version="1.0" encoding="utf-8"?>
+<file path=ppt/slides/slide19.xml><?xml version="1.0" encoding="utf-8"?>
 <p:sld xmlns:a="http://schemas.openxmlformats.org/drawingml/2006/main" xmlns:r="http://schemas.openxmlformats.org/officeDocument/2006/relationships" xmlns:p="http://schemas.openxmlformats.org/presentationml/2006/main">
   <p:cSld>
     <p:spTree>
@@ -1949,7 +2656,122 @@
 </p:sld>
 </file>
 
-<file path=ppt/slides/slide12.xml><?xml version="1.0" encoding="utf-8"?>
+<file path=ppt/slides/slide2.xml><?xml version="1.0" encoding="utf-8"?>
+<p:sld xmlns:a="http://schemas.openxmlformats.org/drawingml/2006/main" xmlns:r="http://schemas.openxmlformats.org/officeDocument/2006/relationships" xmlns:p="http://schemas.openxmlformats.org/presentationml/2006/main">
+  <p:cSld>
+    <p:spTree>
+      <p:nvGrpSpPr>
+        <p:cNvPr id="1" name=""/>
+        <p:cNvGrpSpPr/>
+        <p:nvPr/>
+      </p:nvGrpSpPr>
+      <p:grpSpPr>
+        <a:xfrm>
+          <a:off x="0" y="0"/>
+          <a:ext cx="0" cy="0"/>
+          <a:chOff x="0" y="0"/>
+          <a:chExt cx="0" cy="0"/>
+        </a:xfrm>
+      </p:grpSpPr>
+      <p:sp>
+        <p:nvSpPr>
+          <p:cNvPr id="2" name="标题 1"/>
+          <p:cNvSpPr>
+            <a:spLocks noGrp="1"/>
+          </p:cNvSpPr>
+          <p:nvPr>
+            <p:ph type="title"/>
+          </p:nvPr>
+        </p:nvSpPr>
+        <p:spPr>
+          <a:xfrm>
+            <a:off x="323528" y="195486"/>
+            <a:ext cx="8424936" cy="493563"/>
+          </a:xfrm>
+        </p:spPr>
+        <p:txBody>
+          <a:bodyPr/>
+          <a:lstStyle/>
+          <a:p>
+            <a:r>
+              <a:rPr lang="zh-CN" altLang="en-US" dirty="0" smtClean="0"/>
+              <a:t>相关的具体问题</a:t>
+            </a:r>
+            <a:endParaRPr lang="zh-CN" altLang="en-US" dirty="0"/>
+          </a:p>
+        </p:txBody>
+      </p:sp>
+      <p:sp>
+        <p:nvSpPr>
+          <p:cNvPr id="3" name="内容占位符 2"/>
+          <p:cNvSpPr>
+            <a:spLocks noGrp="1"/>
+          </p:cNvSpPr>
+          <p:nvPr>
+            <p:ph idx="1"/>
+          </p:nvPr>
+        </p:nvSpPr>
+        <p:spPr/>
+        <p:txBody>
+          <a:bodyPr/>
+          <a:lstStyle/>
+          <a:p>
+            <a:r>
+              <a:rPr lang="zh-CN" altLang="en-US" dirty="0" smtClean="0"/>
+              <a:t>分合流模块，播放</a:t>
+            </a:r>
+            <a:r>
+              <a:rPr lang="en-US" altLang="zh-CN" dirty="0" err="1" smtClean="0"/>
+              <a:t>dolby</a:t>
+            </a:r>
+            <a:r>
+              <a:rPr lang="en-US" altLang="zh-CN" dirty="0" smtClean="0"/>
+              <a:t> vision</a:t>
+            </a:r>
+            <a:r>
+              <a:rPr lang="zh-CN" altLang="en-US" dirty="0" smtClean="0"/>
+              <a:t>视频时，遇到卡顿，无画面等问题。</a:t>
+            </a:r>
+            <a:endParaRPr lang="en-US" altLang="zh-CN" dirty="0" smtClean="0"/>
+          </a:p>
+          <a:p>
+            <a:r>
+              <a:rPr lang="en-US" altLang="zh-CN" dirty="0" err="1" smtClean="0"/>
+              <a:t>Ts</a:t>
+            </a:r>
+            <a:r>
+              <a:rPr lang="en-US" altLang="zh-CN" dirty="0" smtClean="0"/>
+              <a:t> </a:t>
+            </a:r>
+            <a:r>
+              <a:rPr lang="zh-CN" altLang="en-US" dirty="0" smtClean="0"/>
+              <a:t>空数据包</a:t>
+            </a:r>
+            <a:endParaRPr lang="zh-CN" altLang="en-US" dirty="0"/>
+          </a:p>
+        </p:txBody>
+      </p:sp>
+    </p:spTree>
+    <p:extLst>
+      <p:ext uri="{BB962C8B-B14F-4D97-AF65-F5344CB8AC3E}">
+        <p14:creationId xmlns:p14="http://schemas.microsoft.com/office/powerpoint/2010/main" val="884853289"/>
+      </p:ext>
+    </p:extLst>
+  </p:cSld>
+  <p:clrMapOvr>
+    <a:masterClrMapping/>
+  </p:clrMapOvr>
+  <p:timing>
+    <p:tnLst>
+      <p:par>
+        <p:cTn id="1" dur="indefinite" restart="never" nodeType="tmRoot"/>
+      </p:par>
+    </p:tnLst>
+  </p:timing>
+</p:sld>
+</file>
+
+<file path=ppt/slides/slide20.xml><?xml version="1.0" encoding="utf-8"?>
 <p:sld xmlns:a="http://schemas.openxmlformats.org/drawingml/2006/main" xmlns:r="http://schemas.openxmlformats.org/officeDocument/2006/relationships" xmlns:p="http://schemas.openxmlformats.org/presentationml/2006/main">
   <p:cSld>
     <p:spTree>
@@ -2228,7 +3050,7 @@
 </p:sld>
 </file>
 
-<file path=ppt/slides/slide13.xml><?xml version="1.0" encoding="utf-8"?>
+<file path=ppt/slides/slide21.xml><?xml version="1.0" encoding="utf-8"?>
 <p:sld xmlns:a="http://schemas.openxmlformats.org/drawingml/2006/main" xmlns:r="http://schemas.openxmlformats.org/officeDocument/2006/relationships" xmlns:p="http://schemas.openxmlformats.org/presentationml/2006/main">
   <p:cSld>
     <p:spTree>
@@ -2317,7 +3139,7 @@
 </p:sld>
 </file>
 
-<file path=ppt/slides/slide14.xml><?xml version="1.0" encoding="utf-8"?>
+<file path=ppt/slides/slide22.xml><?xml version="1.0" encoding="utf-8"?>
 <p:sld xmlns:a="http://schemas.openxmlformats.org/drawingml/2006/main" xmlns:r="http://schemas.openxmlformats.org/officeDocument/2006/relationships" xmlns:p="http://schemas.openxmlformats.org/presentationml/2006/main">
   <p:cSld>
     <p:spTree>
@@ -2607,7 +3429,7 @@
 </p:sld>
 </file>
 
-<file path=ppt/slides/slide15.xml><?xml version="1.0" encoding="utf-8"?>
+<file path=ppt/slides/slide23.xml><?xml version="1.0" encoding="utf-8"?>
 <p:sld xmlns:a="http://schemas.openxmlformats.org/drawingml/2006/main" xmlns:r="http://schemas.openxmlformats.org/officeDocument/2006/relationships" xmlns:p="http://schemas.openxmlformats.org/presentationml/2006/main">
   <p:cSld>
     <p:spTree>
@@ -2734,7 +3556,7 @@
 </p:sld>
 </file>
 
-<file path=ppt/slides/slide16.xml><?xml version="1.0" encoding="utf-8"?>
+<file path=ppt/slides/slide24.xml><?xml version="1.0" encoding="utf-8"?>
 <p:sld xmlns:a="http://schemas.openxmlformats.org/drawingml/2006/main" xmlns:r="http://schemas.openxmlformats.org/officeDocument/2006/relationships" xmlns:p="http://schemas.openxmlformats.org/presentationml/2006/main">
   <p:cSld>
     <p:spTree>
@@ -2820,7 +3642,7 @@
 </p:sld>
 </file>
 
-<file path=ppt/slides/slide17.xml><?xml version="1.0" encoding="utf-8"?>
+<file path=ppt/slides/slide25.xml><?xml version="1.0" encoding="utf-8"?>
 <p:sld xmlns:a="http://schemas.openxmlformats.org/drawingml/2006/main" xmlns:r="http://schemas.openxmlformats.org/officeDocument/2006/relationships" xmlns:p="http://schemas.openxmlformats.org/presentationml/2006/main">
   <p:cSld>
     <p:spTree>
@@ -3123,7 +3945,7 @@
 </p:sld>
 </file>
 
-<file path=ppt/slides/slide18.xml><?xml version="1.0" encoding="utf-8"?>
+<file path=ppt/slides/slide26.xml><?xml version="1.0" encoding="utf-8"?>
 <p:sld xmlns:a="http://schemas.openxmlformats.org/drawingml/2006/main" xmlns:r="http://schemas.openxmlformats.org/officeDocument/2006/relationships" xmlns:p="http://schemas.openxmlformats.org/presentationml/2006/main">
   <p:cSld>
     <p:spTree>
@@ -3212,190 +4034,7 @@
 </p:sld>
 </file>
 
-<file path=ppt/slides/slide19.xml><?xml version="1.0" encoding="utf-8"?>
-<p:sld xmlns:a="http://schemas.openxmlformats.org/drawingml/2006/main" xmlns:r="http://schemas.openxmlformats.org/officeDocument/2006/relationships" xmlns:p="http://schemas.openxmlformats.org/presentationml/2006/main">
-  <p:cSld>
-    <p:spTree>
-      <p:nvGrpSpPr>
-        <p:cNvPr id="1" name=""/>
-        <p:cNvGrpSpPr/>
-        <p:nvPr/>
-      </p:nvGrpSpPr>
-      <p:grpSpPr>
-        <a:xfrm>
-          <a:off x="0" y="0"/>
-          <a:ext cx="0" cy="0"/>
-          <a:chOff x="0" y="0"/>
-          <a:chExt cx="0" cy="0"/>
-        </a:xfrm>
-      </p:grpSpPr>
-      <p:sp>
-        <p:nvSpPr>
-          <p:cNvPr id="2" name="标题 1"/>
-          <p:cNvSpPr>
-            <a:spLocks noGrp="1"/>
-          </p:cNvSpPr>
-          <p:nvPr>
-            <p:ph type="title"/>
-          </p:nvPr>
-        </p:nvSpPr>
-        <p:spPr/>
-        <p:txBody>
-          <a:bodyPr/>
-          <a:lstStyle/>
-          <a:p>
-            <a:endParaRPr lang="zh-CN" altLang="en-US"/>
-          </a:p>
-        </p:txBody>
-      </p:sp>
-      <p:sp>
-        <p:nvSpPr>
-          <p:cNvPr id="3" name="内容占位符 2"/>
-          <p:cNvSpPr>
-            <a:spLocks noGrp="1"/>
-          </p:cNvSpPr>
-          <p:nvPr>
-            <p:ph idx="1"/>
-          </p:nvPr>
-        </p:nvSpPr>
-        <p:spPr/>
-        <p:txBody>
-          <a:bodyPr/>
-          <a:lstStyle/>
-          <a:p>
-            <a:endParaRPr lang="zh-CN" altLang="en-US" dirty="0"/>
-          </a:p>
-        </p:txBody>
-      </p:sp>
-    </p:spTree>
-    <p:extLst>
-      <p:ext uri="{BB962C8B-B14F-4D97-AF65-F5344CB8AC3E}">
-        <p14:creationId xmlns:p14="http://schemas.microsoft.com/office/powerpoint/2010/main" val="2037773889"/>
-      </p:ext>
-    </p:extLst>
-  </p:cSld>
-  <p:clrMapOvr>
-    <a:masterClrMapping/>
-  </p:clrMapOvr>
-</p:sld>
-</file>
-
-<file path=ppt/slides/slide2.xml><?xml version="1.0" encoding="utf-8"?>
-<p:sld xmlns:a="http://schemas.openxmlformats.org/drawingml/2006/main" xmlns:r="http://schemas.openxmlformats.org/officeDocument/2006/relationships" xmlns:p="http://schemas.openxmlformats.org/presentationml/2006/main">
-  <p:cSld>
-    <p:spTree>
-      <p:nvGrpSpPr>
-        <p:cNvPr id="1" name=""/>
-        <p:cNvGrpSpPr/>
-        <p:nvPr/>
-      </p:nvGrpSpPr>
-      <p:grpSpPr>
-        <a:xfrm>
-          <a:off x="0" y="0"/>
-          <a:ext cx="0" cy="0"/>
-          <a:chOff x="0" y="0"/>
-          <a:chExt cx="0" cy="0"/>
-        </a:xfrm>
-      </p:grpSpPr>
-      <p:sp>
-        <p:nvSpPr>
-          <p:cNvPr id="2" name="标题 1"/>
-          <p:cNvSpPr>
-            <a:spLocks noGrp="1"/>
-          </p:cNvSpPr>
-          <p:nvPr>
-            <p:ph type="title"/>
-          </p:nvPr>
-        </p:nvSpPr>
-        <p:spPr>
-          <a:xfrm>
-            <a:off x="323528" y="195486"/>
-            <a:ext cx="8424936" cy="493563"/>
-          </a:xfrm>
-        </p:spPr>
-        <p:txBody>
-          <a:bodyPr/>
-          <a:lstStyle/>
-          <a:p>
-            <a:r>
-              <a:rPr lang="zh-CN" altLang="en-US" dirty="0" smtClean="0"/>
-              <a:t>相关的具体问题</a:t>
-            </a:r>
-            <a:endParaRPr lang="zh-CN" altLang="en-US" dirty="0"/>
-          </a:p>
-        </p:txBody>
-      </p:sp>
-      <p:sp>
-        <p:nvSpPr>
-          <p:cNvPr id="3" name="内容占位符 2"/>
-          <p:cNvSpPr>
-            <a:spLocks noGrp="1"/>
-          </p:cNvSpPr>
-          <p:nvPr>
-            <p:ph idx="1"/>
-          </p:nvPr>
-        </p:nvSpPr>
-        <p:spPr/>
-        <p:txBody>
-          <a:bodyPr/>
-          <a:lstStyle/>
-          <a:p>
-            <a:r>
-              <a:rPr lang="zh-CN" altLang="en-US" dirty="0" smtClean="0"/>
-              <a:t>分合流模块，播放</a:t>
-            </a:r>
-            <a:r>
-              <a:rPr lang="en-US" altLang="zh-CN" dirty="0" err="1" smtClean="0"/>
-              <a:t>dolby</a:t>
-            </a:r>
-            <a:r>
-              <a:rPr lang="en-US" altLang="zh-CN" dirty="0" smtClean="0"/>
-              <a:t> vision</a:t>
-            </a:r>
-            <a:r>
-              <a:rPr lang="zh-CN" altLang="en-US" dirty="0" smtClean="0"/>
-              <a:t>视频时，遇到卡顿，无画面等问题。</a:t>
-            </a:r>
-            <a:endParaRPr lang="en-US" altLang="zh-CN" dirty="0" smtClean="0"/>
-          </a:p>
-          <a:p>
-            <a:r>
-              <a:rPr lang="en-US" altLang="zh-CN" dirty="0" err="1" smtClean="0"/>
-              <a:t>Ts</a:t>
-            </a:r>
-            <a:r>
-              <a:rPr lang="en-US" altLang="zh-CN" dirty="0" smtClean="0"/>
-              <a:t> </a:t>
-            </a:r>
-            <a:r>
-              <a:rPr lang="zh-CN" altLang="en-US" dirty="0" smtClean="0"/>
-              <a:t>空数据包</a:t>
-            </a:r>
-            <a:endParaRPr lang="zh-CN" altLang="en-US" dirty="0"/>
-          </a:p>
-        </p:txBody>
-      </p:sp>
-    </p:spTree>
-    <p:extLst>
-      <p:ext uri="{BB962C8B-B14F-4D97-AF65-F5344CB8AC3E}">
-        <p14:creationId xmlns:p14="http://schemas.microsoft.com/office/powerpoint/2010/main" val="884853289"/>
-      </p:ext>
-    </p:extLst>
-  </p:cSld>
-  <p:clrMapOvr>
-    <a:masterClrMapping/>
-  </p:clrMapOvr>
-  <p:timing>
-    <p:tnLst>
-      <p:par>
-        <p:cTn id="1" dur="indefinite" restart="never" nodeType="tmRoot"/>
-      </p:par>
-    </p:tnLst>
-  </p:timing>
-</p:sld>
-</file>
-
-<file path=ppt/slides/slide20.xml><?xml version="1.0" encoding="utf-8"?>
+<file path=ppt/slides/slide27.xml><?xml version="1.0" encoding="utf-8"?>
 <p:sld xmlns:a="http://schemas.openxmlformats.org/drawingml/2006/main" xmlns:r="http://schemas.openxmlformats.org/officeDocument/2006/relationships" xmlns:p="http://schemas.openxmlformats.org/presentationml/2006/main">
   <p:cSld>
     <p:spTree>
@@ -3428,6 +4067,649 @@
 </file>
 
 <file path=ppt/slides/slide3.xml><?xml version="1.0" encoding="utf-8"?>
+<p:sld xmlns:a="http://schemas.openxmlformats.org/drawingml/2006/main" xmlns:r="http://schemas.openxmlformats.org/officeDocument/2006/relationships" xmlns:p="http://schemas.openxmlformats.org/presentationml/2006/main">
+  <p:cSld>
+    <p:spTree>
+      <p:nvGrpSpPr>
+        <p:cNvPr id="1" name=""/>
+        <p:cNvGrpSpPr/>
+        <p:nvPr/>
+      </p:nvGrpSpPr>
+      <p:grpSpPr>
+        <a:xfrm>
+          <a:off x="0" y="0"/>
+          <a:ext cx="0" cy="0"/>
+          <a:chOff x="0" y="0"/>
+          <a:chExt cx="0" cy="0"/>
+        </a:xfrm>
+      </p:grpSpPr>
+      <p:sp>
+        <p:nvSpPr>
+          <p:cNvPr id="2" name="标题 1"/>
+          <p:cNvSpPr>
+            <a:spLocks noGrp="1"/>
+          </p:cNvSpPr>
+          <p:nvPr>
+            <p:ph type="title"/>
+          </p:nvPr>
+        </p:nvSpPr>
+        <p:spPr/>
+        <p:txBody>
+          <a:bodyPr/>
+          <a:lstStyle/>
+          <a:p>
+            <a:r>
+              <a:rPr lang="en-US" altLang="zh-CN" dirty="0" err="1"/>
+              <a:t>DolbyVision</a:t>
+            </a:r>
+            <a:r>
+              <a:rPr lang="zh-CN" altLang="en-US" dirty="0"/>
+              <a:t>视频播放问题</a:t>
+            </a:r>
+          </a:p>
+        </p:txBody>
+      </p:sp>
+      <p:sp>
+        <p:nvSpPr>
+          <p:cNvPr id="3" name="内容占位符 2"/>
+          <p:cNvSpPr>
+            <a:spLocks noGrp="1"/>
+          </p:cNvSpPr>
+          <p:nvPr>
+            <p:ph idx="1"/>
+          </p:nvPr>
+        </p:nvSpPr>
+        <p:spPr/>
+        <p:txBody>
+          <a:bodyPr>
+            <a:normAutofit fontScale="55000" lnSpcReduction="20000"/>
+          </a:bodyPr>
+          <a:lstStyle/>
+          <a:p>
+            <a:pPr marL="0" indent="0">
+              <a:buNone/>
+            </a:pPr>
+            <a:r>
+              <a:rPr lang="zh-CN" altLang="en-US" b="1" dirty="0"/>
+              <a:t>问题现象：视频播放时，卡住，一直在</a:t>
+            </a:r>
+            <a:r>
+              <a:rPr lang="en-US" altLang="zh-CN" b="1" dirty="0"/>
+              <a:t>loading</a:t>
+            </a:r>
+            <a:r>
+              <a:rPr lang="zh-CN" altLang="en-US" b="1" dirty="0"/>
+              <a:t>。</a:t>
+            </a:r>
+            <a:endParaRPr lang="en-US" altLang="zh-CN" b="1" dirty="0"/>
+          </a:p>
+          <a:p>
+            <a:pPr marL="0" indent="0">
+              <a:buNone/>
+            </a:pPr>
+            <a:r>
+              <a:rPr lang="zh-CN" altLang="en-US" dirty="0"/>
+              <a:t>初步问题分析：</a:t>
+            </a:r>
+            <a:endParaRPr lang="en-US" altLang="zh-CN" dirty="0"/>
+          </a:p>
+          <a:p>
+            <a:pPr marL="0" indent="0">
+              <a:buNone/>
+            </a:pPr>
+            <a:r>
+              <a:rPr lang="en-US" altLang="zh-CN" dirty="0"/>
+              <a:t>	1.</a:t>
+            </a:r>
+            <a:r>
+              <a:rPr lang="zh-CN" altLang="en-US" dirty="0"/>
+              <a:t>数据下载的问题？</a:t>
+            </a:r>
+            <a:endParaRPr lang="en-US" altLang="zh-CN" dirty="0"/>
+          </a:p>
+          <a:p>
+            <a:pPr marL="0" indent="0">
+              <a:buNone/>
+            </a:pPr>
+            <a:r>
+              <a:rPr lang="en-US" altLang="zh-CN" dirty="0"/>
+              <a:t>	2.</a:t>
+            </a:r>
+            <a:r>
+              <a:rPr lang="zh-CN" altLang="en-US" dirty="0"/>
+              <a:t>音频数据解析有问题？</a:t>
+            </a:r>
+            <a:endParaRPr lang="en-US" altLang="zh-CN" dirty="0"/>
+          </a:p>
+          <a:p>
+            <a:pPr marL="0" indent="0">
+              <a:buNone/>
+            </a:pPr>
+            <a:r>
+              <a:rPr lang="en-US" altLang="zh-CN" dirty="0"/>
+              <a:t>	3.</a:t>
+            </a:r>
+            <a:r>
+              <a:rPr lang="zh-CN" altLang="en-US" dirty="0"/>
+              <a:t>分合流的问题，没有生产出杜比视频？</a:t>
+            </a:r>
+            <a:endParaRPr lang="en-US" altLang="zh-CN" dirty="0"/>
+          </a:p>
+          <a:p>
+            <a:pPr marL="0" indent="0">
+              <a:buNone/>
+            </a:pPr>
+            <a:r>
+              <a:rPr lang="zh-CN" altLang="en-US" dirty="0"/>
+              <a:t>分析生产的过程：</a:t>
+            </a:r>
+            <a:endParaRPr lang="en-US" altLang="zh-CN" dirty="0"/>
+          </a:p>
+          <a:p>
+            <a:pPr marL="0" indent="0">
+              <a:buNone/>
+            </a:pPr>
+            <a:r>
+              <a:rPr lang="en-US" altLang="zh-CN" dirty="0"/>
+              <a:t>	1.ffmpeg</a:t>
+            </a:r>
+            <a:r>
+              <a:rPr lang="zh-CN" altLang="en-US" dirty="0"/>
+              <a:t>初始化正常。</a:t>
+            </a:r>
+            <a:endParaRPr lang="en-US" altLang="zh-CN" dirty="0"/>
+          </a:p>
+          <a:p>
+            <a:pPr marL="0" indent="0">
+              <a:buNone/>
+            </a:pPr>
+            <a:r>
+              <a:rPr lang="en-US" altLang="zh-CN" dirty="0"/>
+              <a:t>	2.</a:t>
+            </a:r>
+            <a:r>
+              <a:rPr lang="zh-CN" altLang="en-US" dirty="0"/>
+              <a:t>读出视频数据时，一直找不到视频流。  </a:t>
+            </a:r>
+            <a:endParaRPr lang="en-US" altLang="zh-CN" dirty="0"/>
+          </a:p>
+          <a:p>
+            <a:pPr marL="0" indent="0">
+              <a:buNone/>
+            </a:pPr>
+            <a:r>
+              <a:rPr lang="en-US" altLang="zh-CN" dirty="0"/>
+              <a:t>	3.</a:t>
+            </a:r>
+            <a:r>
+              <a:rPr lang="zh-CN" altLang="en-US" dirty="0"/>
+              <a:t>查看视频流信息，发现没有视频流？？   原来是用</a:t>
+            </a:r>
+            <a:r>
+              <a:rPr lang="en-US" altLang="zh-CN" dirty="0" err="1"/>
+              <a:t>PrivateType</a:t>
+            </a:r>
+            <a:r>
+              <a:rPr lang="zh-CN" altLang="en-US" dirty="0"/>
+              <a:t>表示了</a:t>
+            </a:r>
+            <a:r>
+              <a:rPr lang="en-US" altLang="zh-CN" dirty="0" err="1"/>
+              <a:t>VideoType</a:t>
+            </a:r>
+            <a:r>
+              <a:rPr lang="zh-CN" altLang="en-US" dirty="0"/>
+              <a:t>。</a:t>
+            </a:r>
+            <a:endParaRPr lang="en-US" altLang="zh-CN" dirty="0"/>
+          </a:p>
+          <a:p>
+            <a:pPr marL="0" indent="0">
+              <a:buNone/>
+            </a:pPr>
+            <a:endParaRPr lang="en-US" altLang="zh-CN" dirty="0"/>
+          </a:p>
+          <a:p>
+            <a:pPr marL="0" indent="0">
+              <a:buNone/>
+            </a:pPr>
+            <a:r>
+              <a:rPr lang="zh-CN" altLang="en-US" dirty="0"/>
+              <a:t>修正了上述问题后，以为问题解决了。然后测试发现有声音，但是没有画面。</a:t>
+            </a:r>
+            <a:endParaRPr lang="en-US" altLang="zh-CN" dirty="0"/>
+          </a:p>
+          <a:p>
+            <a:pPr marL="0" indent="0">
+              <a:buNone/>
+            </a:pPr>
+            <a:endParaRPr lang="en-US" altLang="zh-CN" dirty="0"/>
+          </a:p>
+          <a:p>
+            <a:pPr marL="0" indent="0">
+              <a:buNone/>
+            </a:pPr>
+            <a:r>
+              <a:rPr lang="zh-CN" altLang="en-US" dirty="0"/>
+              <a:t>继续排查问题：</a:t>
+            </a:r>
+            <a:endParaRPr lang="en-US" altLang="zh-CN" dirty="0"/>
+          </a:p>
+          <a:p>
+            <a:pPr marL="0" indent="0">
+              <a:buNone/>
+            </a:pPr>
+            <a:r>
+              <a:rPr lang="en-US" altLang="zh-CN" dirty="0"/>
+              <a:t>	</a:t>
+            </a:r>
+            <a:r>
+              <a:rPr lang="zh-CN" altLang="en-US" dirty="0"/>
+              <a:t>保存生产的数据，与源数据进行对比。 发现源数据在</a:t>
+            </a:r>
+            <a:r>
+              <a:rPr lang="en-US" altLang="zh-CN" dirty="0"/>
+              <a:t>PMT</a:t>
+            </a:r>
+            <a:r>
+              <a:rPr lang="zh-CN" altLang="en-US" dirty="0"/>
+              <a:t>表中，有好多</a:t>
+            </a:r>
+            <a:r>
+              <a:rPr lang="en-US" altLang="zh-CN" dirty="0"/>
+              <a:t>Register</a:t>
+            </a:r>
+            <a:r>
+              <a:rPr lang="zh-CN" altLang="en-US" dirty="0"/>
+              <a:t>信息，自己生产的数据中没有这些信息。</a:t>
+            </a:r>
+            <a:endParaRPr lang="en-US" altLang="zh-CN" dirty="0"/>
+          </a:p>
+          <a:p>
+            <a:pPr marL="0" indent="0">
+              <a:buNone/>
+            </a:pPr>
+            <a:r>
+              <a:rPr lang="en-US" altLang="zh-CN" dirty="0"/>
+              <a:t>	</a:t>
+            </a:r>
+            <a:r>
+              <a:rPr lang="zh-CN" altLang="en-US" dirty="0"/>
+              <a:t>跟后台相关的一聊，才确认跟这些</a:t>
+            </a:r>
+            <a:r>
+              <a:rPr lang="en-US" altLang="zh-CN" dirty="0"/>
+              <a:t>Register</a:t>
+            </a:r>
+            <a:r>
+              <a:rPr lang="zh-CN" altLang="en-US" dirty="0"/>
+              <a:t>信息有关。</a:t>
+            </a:r>
+            <a:endParaRPr lang="en-US" altLang="zh-CN" dirty="0"/>
+          </a:p>
+          <a:p>
+            <a:pPr marL="0" indent="0">
+              <a:buNone/>
+            </a:pPr>
+            <a:r>
+              <a:rPr lang="en-US" altLang="zh-CN" dirty="0"/>
+              <a:t>	</a:t>
+            </a:r>
+          </a:p>
+          <a:p>
+            <a:endParaRPr lang="zh-CN" altLang="en-US" dirty="0"/>
+          </a:p>
+        </p:txBody>
+      </p:sp>
+    </p:spTree>
+    <p:extLst>
+      <p:ext uri="{BB962C8B-B14F-4D97-AF65-F5344CB8AC3E}">
+        <p14:creationId xmlns:p14="http://schemas.microsoft.com/office/powerpoint/2010/main" val="512093226"/>
+      </p:ext>
+    </p:extLst>
+  </p:cSld>
+  <p:clrMapOvr>
+    <a:masterClrMapping/>
+  </p:clrMapOvr>
+</p:sld>
+</file>
+
+<file path=ppt/slides/slide4.xml><?xml version="1.0" encoding="utf-8"?>
+<p:sld xmlns:a="http://schemas.openxmlformats.org/drawingml/2006/main" xmlns:r="http://schemas.openxmlformats.org/officeDocument/2006/relationships" xmlns:p="http://schemas.openxmlformats.org/presentationml/2006/main">
+  <p:cSld>
+    <p:spTree>
+      <p:nvGrpSpPr>
+        <p:cNvPr id="1" name=""/>
+        <p:cNvGrpSpPr/>
+        <p:nvPr/>
+      </p:nvGrpSpPr>
+      <p:grpSpPr>
+        <a:xfrm>
+          <a:off x="0" y="0"/>
+          <a:ext cx="0" cy="0"/>
+          <a:chOff x="0" y="0"/>
+          <a:chExt cx="0" cy="0"/>
+        </a:xfrm>
+      </p:grpSpPr>
+      <p:sp>
+        <p:nvSpPr>
+          <p:cNvPr id="2" name="标题 1"/>
+          <p:cNvSpPr>
+            <a:spLocks noGrp="1"/>
+          </p:cNvSpPr>
+          <p:nvPr>
+            <p:ph type="title"/>
+          </p:nvPr>
+        </p:nvSpPr>
+        <p:spPr/>
+        <p:txBody>
+          <a:bodyPr/>
+          <a:lstStyle/>
+          <a:p>
+            <a:r>
+              <a:rPr lang="en-US" altLang="zh-CN" dirty="0" err="1"/>
+              <a:t>ts</a:t>
+            </a:r>
+            <a:r>
+              <a:rPr lang="zh-CN" altLang="en-US" dirty="0"/>
+              <a:t>空数据包的不合法导致的问题</a:t>
+            </a:r>
+          </a:p>
+        </p:txBody>
+      </p:sp>
+      <p:sp>
+        <p:nvSpPr>
+          <p:cNvPr id="3" name="内容占位符 2"/>
+          <p:cNvSpPr>
+            <a:spLocks noGrp="1"/>
+          </p:cNvSpPr>
+          <p:nvPr>
+            <p:ph idx="1"/>
+          </p:nvPr>
+        </p:nvSpPr>
+        <p:spPr/>
+        <p:txBody>
+          <a:bodyPr/>
+          <a:lstStyle/>
+          <a:p>
+            <a:pPr>
+              <a:buNone/>
+            </a:pPr>
+            <a:r>
+              <a:rPr lang="zh-CN" altLang="en-US" dirty="0"/>
+              <a:t>创维</a:t>
+            </a:r>
+            <a:r>
+              <a:rPr lang="en-US" altLang="zh-CN" dirty="0"/>
+              <a:t>Q7</a:t>
+            </a:r>
+            <a:r>
+              <a:rPr lang="zh-CN" altLang="en-US" dirty="0"/>
+              <a:t>播放杜比花屏的问题。</a:t>
+            </a:r>
+            <a:endParaRPr lang="en-US" altLang="zh-CN" dirty="0"/>
+          </a:p>
+          <a:p>
+            <a:r>
+              <a:rPr lang="zh-CN" altLang="en-US" sz="1600" dirty="0"/>
+              <a:t>现象：创维</a:t>
+            </a:r>
+            <a:r>
+              <a:rPr lang="en-US" altLang="zh-CN" sz="1600" dirty="0"/>
+              <a:t>Q7(MODEL=9S51_Q7),</a:t>
+            </a:r>
+            <a:r>
+              <a:rPr lang="zh-CN" altLang="en-US" sz="1600" dirty="0"/>
+              <a:t>在播放分合流杜比视频时，出现花屏。</a:t>
+            </a:r>
+            <a:endParaRPr lang="en-US" altLang="zh-CN" sz="1600" dirty="0"/>
+          </a:p>
+          <a:p>
+            <a:r>
+              <a:rPr lang="zh-CN" altLang="en-US" sz="1600" dirty="0"/>
+              <a:t>分析：</a:t>
+            </a:r>
+            <a:endParaRPr lang="en-US" altLang="zh-CN" sz="1600" dirty="0"/>
+          </a:p>
+          <a:p>
+            <a:pPr lvl="1"/>
+            <a:r>
+              <a:rPr lang="zh-CN" altLang="en-US" sz="1100" dirty="0"/>
+              <a:t>根据已知的信息：播放固定片源时，其他设备正常，仅在此设备出现花屏。</a:t>
+            </a:r>
+            <a:endParaRPr lang="en-US" altLang="zh-CN" sz="1100" dirty="0"/>
+          </a:p>
+          <a:p>
+            <a:pPr lvl="1"/>
+            <a:r>
+              <a:rPr lang="en-US" altLang="zh-CN" sz="1100" dirty="0"/>
+              <a:t>1.</a:t>
+            </a:r>
+            <a:r>
+              <a:rPr lang="zh-CN" altLang="en-US" sz="1100" dirty="0"/>
+              <a:t>下载原始的</a:t>
+            </a:r>
+            <a:r>
+              <a:rPr lang="en-US" altLang="zh-CN" sz="1100" dirty="0" err="1"/>
+              <a:t>ts</a:t>
+            </a:r>
+            <a:r>
+              <a:rPr lang="zh-CN" altLang="en-US" sz="1100" dirty="0"/>
+              <a:t>数据，通过</a:t>
+            </a:r>
+            <a:r>
+              <a:rPr lang="en-US" altLang="zh-CN" sz="1100" dirty="0"/>
+              <a:t>demo</a:t>
+            </a:r>
+            <a:r>
+              <a:rPr lang="zh-CN" altLang="en-US" sz="1100" dirty="0"/>
+              <a:t>直接播放，数据播放正常。排除数据的问题。</a:t>
+            </a:r>
+            <a:endParaRPr lang="en-US" altLang="zh-CN" sz="1100" dirty="0"/>
+          </a:p>
+          <a:p>
+            <a:pPr lvl="1"/>
+            <a:r>
+              <a:rPr lang="en-US" altLang="zh-CN" sz="1100" dirty="0"/>
+              <a:t>2.</a:t>
+            </a:r>
+            <a:r>
+              <a:rPr lang="zh-CN" altLang="en-US" sz="1100" dirty="0"/>
+              <a:t>把分合流后生成的</a:t>
+            </a:r>
+            <a:r>
+              <a:rPr lang="en-US" altLang="zh-CN" sz="1100" dirty="0" err="1"/>
+              <a:t>ts</a:t>
+            </a:r>
+            <a:r>
+              <a:rPr lang="zh-CN" altLang="en-US" sz="1100" dirty="0"/>
+              <a:t>数据保存到本地，然后再用</a:t>
+            </a:r>
+            <a:r>
+              <a:rPr lang="en-US" altLang="zh-CN" sz="1100" dirty="0"/>
+              <a:t>Q7</a:t>
+            </a:r>
+            <a:r>
+              <a:rPr lang="zh-CN" altLang="en-US" sz="1100" dirty="0"/>
+              <a:t>播放这些本地</a:t>
+            </a:r>
+            <a:r>
+              <a:rPr lang="en-US" altLang="zh-CN" sz="1100" dirty="0" err="1"/>
+              <a:t>ts</a:t>
+            </a:r>
+            <a:r>
+              <a:rPr lang="zh-CN" altLang="en-US" sz="1100" dirty="0"/>
+              <a:t>数据，发现无花屏问题，排除生成的数据的问题。</a:t>
+            </a:r>
+            <a:endParaRPr lang="en-US" altLang="zh-CN" sz="1100" dirty="0"/>
+          </a:p>
+          <a:p>
+            <a:pPr lvl="1"/>
+            <a:r>
+              <a:rPr lang="en-US" altLang="zh-CN" sz="1100" dirty="0"/>
+              <a:t>3.</a:t>
+            </a:r>
+            <a:r>
+              <a:rPr lang="zh-CN" altLang="en-US" sz="1100" dirty="0"/>
+              <a:t>开始怀疑是不是传输过程中丢数据了。分析日志发现，播放器在请求</a:t>
+            </a:r>
+            <a:r>
+              <a:rPr lang="en-US" altLang="zh-CN" sz="1100" dirty="0" err="1"/>
+              <a:t>ts</a:t>
+            </a:r>
+            <a:r>
+              <a:rPr lang="zh-CN" altLang="en-US" sz="1100" dirty="0"/>
+              <a:t>数据时，请求到的数据大小，跟实际生成的</a:t>
+            </a:r>
+            <a:r>
+              <a:rPr lang="en-US" altLang="zh-CN" sz="1100" dirty="0" err="1"/>
+              <a:t>ts</a:t>
+            </a:r>
+            <a:r>
+              <a:rPr lang="zh-CN" altLang="en-US" sz="1100" dirty="0"/>
+              <a:t>数据大小不一致，请求到的数据较小，未获取到全部数据就结束了。最终由于数据帧不完整，导致花屏。猜测可能跟</a:t>
+            </a:r>
+            <a:r>
+              <a:rPr lang="en-US" altLang="zh-CN" sz="1100" dirty="0"/>
+              <a:t>http chunked</a:t>
+            </a:r>
+            <a:r>
+              <a:rPr lang="zh-CN" altLang="en-US" sz="1100" dirty="0"/>
+              <a:t>有关。</a:t>
+            </a:r>
+            <a:endParaRPr lang="en-US" altLang="zh-CN" sz="1100" dirty="0"/>
+          </a:p>
+          <a:p>
+            <a:pPr lvl="1"/>
+            <a:r>
+              <a:rPr lang="en-US" altLang="zh-CN" sz="1100" dirty="0"/>
+              <a:t>4.</a:t>
+            </a:r>
+            <a:r>
+              <a:rPr lang="zh-CN" altLang="en-US" sz="1100" dirty="0"/>
+              <a:t>采用非</a:t>
+            </a:r>
+            <a:r>
+              <a:rPr lang="en-US" altLang="zh-CN" sz="1100" dirty="0"/>
+              <a:t>chunked</a:t>
+            </a:r>
+            <a:r>
+              <a:rPr lang="zh-CN" altLang="en-US" sz="1100" dirty="0"/>
+              <a:t>简单测试了一下，发现非</a:t>
+            </a:r>
+            <a:r>
+              <a:rPr lang="en-US" altLang="zh-CN" sz="1100" dirty="0"/>
+              <a:t>chunked</a:t>
+            </a:r>
+            <a:r>
+              <a:rPr lang="zh-CN" altLang="en-US" sz="1100" dirty="0"/>
+              <a:t>方式是正常无花屏的。</a:t>
+            </a:r>
+            <a:endParaRPr lang="en-US" altLang="zh-CN" sz="1100" dirty="0"/>
+          </a:p>
+          <a:p>
+            <a:r>
+              <a:rPr lang="zh-CN" altLang="en-US" sz="1300" dirty="0"/>
+              <a:t>结论：采用非</a:t>
+            </a:r>
+            <a:r>
+              <a:rPr lang="en-US" altLang="zh-CN" sz="1300" dirty="0"/>
+              <a:t>chunked</a:t>
+            </a:r>
+            <a:r>
+              <a:rPr lang="zh-CN" altLang="en-US" sz="1300" dirty="0"/>
+              <a:t>的模式传输数据</a:t>
+            </a:r>
+            <a:endParaRPr lang="en-US" altLang="zh-CN" sz="1300" dirty="0"/>
+          </a:p>
+          <a:p>
+            <a:pPr lvl="1"/>
+            <a:r>
+              <a:rPr lang="zh-CN" altLang="en-US" sz="1100" dirty="0"/>
+              <a:t>非</a:t>
+            </a:r>
+            <a:r>
+              <a:rPr lang="en-US" altLang="zh-CN" sz="1100" dirty="0"/>
+              <a:t>chunked</a:t>
+            </a:r>
+            <a:r>
+              <a:rPr lang="zh-CN" altLang="en-US" sz="1100" dirty="0"/>
+              <a:t>模式，有一个前提，传输数据之前，需要知道所传输数据的</a:t>
+            </a:r>
+            <a:r>
+              <a:rPr lang="en-US" altLang="zh-CN" sz="1100" dirty="0"/>
+              <a:t>size</a:t>
+            </a:r>
+            <a:r>
+              <a:rPr lang="zh-CN" altLang="en-US" sz="1100" dirty="0"/>
+              <a:t>。但是</a:t>
+            </a:r>
+            <a:r>
+              <a:rPr lang="en-US" altLang="zh-CN" sz="1100" dirty="0" err="1"/>
+              <a:t>dolby</a:t>
+            </a:r>
+            <a:r>
+              <a:rPr lang="zh-CN" altLang="en-US" sz="1100" dirty="0"/>
+              <a:t>分合流采用的是流式传输的，数据生成之前，是无法获取整个数据</a:t>
+            </a:r>
+            <a:r>
+              <a:rPr lang="en-US" altLang="zh-CN" sz="1100" dirty="0"/>
+              <a:t>size</a:t>
+            </a:r>
+            <a:r>
+              <a:rPr lang="zh-CN" altLang="en-US" sz="1100" dirty="0"/>
+              <a:t>的。</a:t>
+            </a:r>
+            <a:endParaRPr lang="en-US" altLang="zh-CN" sz="1100" dirty="0"/>
+          </a:p>
+          <a:p>
+            <a:pPr lvl="1"/>
+            <a:r>
+              <a:rPr lang="zh-CN" altLang="en-US" sz="1100" dirty="0"/>
+              <a:t>怎么办？</a:t>
+            </a:r>
+            <a:endParaRPr lang="en-US" altLang="zh-CN" sz="1100" dirty="0"/>
+          </a:p>
+          <a:p>
+            <a:pPr lvl="1"/>
+            <a:r>
+              <a:rPr lang="zh-CN" altLang="en-US" sz="1100" dirty="0"/>
+              <a:t>预估一个</a:t>
+            </a:r>
+            <a:r>
+              <a:rPr lang="en-US" altLang="zh-CN" sz="1100" dirty="0"/>
+              <a:t>size</a:t>
+            </a:r>
+            <a:r>
+              <a:rPr lang="zh-CN" altLang="en-US" sz="1100" dirty="0"/>
+              <a:t>。 由于无法精确预估，只能预估一个比实际</a:t>
+            </a:r>
+            <a:r>
+              <a:rPr lang="en-US" altLang="zh-CN" sz="1100" dirty="0"/>
+              <a:t>size</a:t>
+            </a:r>
+            <a:r>
+              <a:rPr lang="zh-CN" altLang="en-US" sz="1100" dirty="0"/>
+              <a:t>大的值， 多余的数据怎么办？  补空数据。</a:t>
+            </a:r>
+            <a:endParaRPr lang="zh-CN" altLang="en-US" dirty="0"/>
+          </a:p>
+        </p:txBody>
+      </p:sp>
+    </p:spTree>
+    <p:extLst>
+      <p:ext uri="{BB962C8B-B14F-4D97-AF65-F5344CB8AC3E}">
+        <p14:creationId xmlns:p14="http://schemas.microsoft.com/office/powerpoint/2010/main" val="1257854012"/>
+      </p:ext>
+    </p:extLst>
+  </p:cSld>
+  <p:clrMapOvr>
+    <a:masterClrMapping/>
+  </p:clrMapOvr>
+</p:sld>
+</file>
+
+<file path=ppt/slides/slide5.xml><?xml version="1.0" encoding="utf-8"?>
 <p:sld xmlns:a="http://schemas.openxmlformats.org/drawingml/2006/main" xmlns:r="http://schemas.openxmlformats.org/officeDocument/2006/relationships" xmlns:p="http://schemas.openxmlformats.org/presentationml/2006/main">
   <p:cSld>
     <p:spTree>
@@ -3566,186 +4848,6 @@
 </p:sld>
 </file>
 
-<file path=ppt/slides/slide4.xml><?xml version="1.0" encoding="utf-8"?>
-<p:sld xmlns:a="http://schemas.openxmlformats.org/drawingml/2006/main" xmlns:r="http://schemas.openxmlformats.org/officeDocument/2006/relationships" xmlns:p="http://schemas.openxmlformats.org/presentationml/2006/main">
-  <p:cSld>
-    <p:spTree>
-      <p:nvGrpSpPr>
-        <p:cNvPr id="1" name=""/>
-        <p:cNvGrpSpPr/>
-        <p:nvPr/>
-      </p:nvGrpSpPr>
-      <p:grpSpPr>
-        <a:xfrm>
-          <a:off x="0" y="0"/>
-          <a:ext cx="0" cy="0"/>
-          <a:chOff x="0" y="0"/>
-          <a:chExt cx="0" cy="0"/>
-        </a:xfrm>
-      </p:grpSpPr>
-      <p:sp>
-        <p:nvSpPr>
-          <p:cNvPr id="2" name="标题 1"/>
-          <p:cNvSpPr>
-            <a:spLocks noGrp="1"/>
-          </p:cNvSpPr>
-          <p:nvPr>
-            <p:ph type="title"/>
-          </p:nvPr>
-        </p:nvSpPr>
-        <p:spPr/>
-        <p:txBody>
-          <a:bodyPr/>
-          <a:lstStyle/>
-          <a:p>
-            <a:r>
-              <a:rPr lang="en-US" altLang="zh-CN" dirty="0" smtClean="0"/>
-              <a:t>Program Association Table</a:t>
-            </a:r>
-            <a:endParaRPr lang="zh-CN" altLang="en-US" dirty="0"/>
-          </a:p>
-        </p:txBody>
-      </p:sp>
-      <p:pic>
-        <p:nvPicPr>
-          <p:cNvPr id="4" name="图片 3"/>
-          <p:cNvPicPr>
-            <a:picLocks noChangeAspect="1"/>
-          </p:cNvPicPr>
-          <p:nvPr/>
-        </p:nvPicPr>
-        <p:blipFill>
-          <a:blip r:embed="rId2">
-            <a:extLst>
-              <a:ext uri="{28A0092B-C50C-407E-A947-70E740481C1C}">
-                <a14:useLocalDpi xmlns:a14="http://schemas.microsoft.com/office/drawing/2010/main" val="0"/>
-              </a:ext>
-            </a:extLst>
-          </a:blip>
-          <a:stretch>
-            <a:fillRect/>
-          </a:stretch>
-        </p:blipFill>
-        <p:spPr>
-          <a:xfrm>
-            <a:off x="395536" y="771550"/>
-            <a:ext cx="6768752" cy="4192008"/>
-          </a:xfrm>
-          <a:prstGeom prst="rect">
-            <a:avLst/>
-          </a:prstGeom>
-        </p:spPr>
-      </p:pic>
-    </p:spTree>
-    <p:extLst>
-      <p:ext uri="{BB962C8B-B14F-4D97-AF65-F5344CB8AC3E}">
-        <p14:creationId xmlns:p14="http://schemas.microsoft.com/office/powerpoint/2010/main" val="369490934"/>
-      </p:ext>
-    </p:extLst>
-  </p:cSld>
-  <p:clrMapOvr>
-    <a:masterClrMapping/>
-  </p:clrMapOvr>
-  <p:timing>
-    <p:tnLst>
-      <p:par>
-        <p:cTn id="1" dur="indefinite" restart="never" nodeType="tmRoot"/>
-      </p:par>
-    </p:tnLst>
-  </p:timing>
-</p:sld>
-</file>
-
-<file path=ppt/slides/slide5.xml><?xml version="1.0" encoding="utf-8"?>
-<p:sld xmlns:a="http://schemas.openxmlformats.org/drawingml/2006/main" xmlns:r="http://schemas.openxmlformats.org/officeDocument/2006/relationships" xmlns:p="http://schemas.openxmlformats.org/presentationml/2006/main">
-  <p:cSld>
-    <p:spTree>
-      <p:nvGrpSpPr>
-        <p:cNvPr id="1" name=""/>
-        <p:cNvGrpSpPr/>
-        <p:nvPr/>
-      </p:nvGrpSpPr>
-      <p:grpSpPr>
-        <a:xfrm>
-          <a:off x="0" y="0"/>
-          <a:ext cx="0" cy="0"/>
-          <a:chOff x="0" y="0"/>
-          <a:chExt cx="0" cy="0"/>
-        </a:xfrm>
-      </p:grpSpPr>
-      <p:sp>
-        <p:nvSpPr>
-          <p:cNvPr id="2" name="标题 1"/>
-          <p:cNvSpPr>
-            <a:spLocks noGrp="1"/>
-          </p:cNvSpPr>
-          <p:nvPr>
-            <p:ph type="title"/>
-          </p:nvPr>
-        </p:nvSpPr>
-        <p:spPr/>
-        <p:txBody>
-          <a:bodyPr/>
-          <a:lstStyle/>
-          <a:p>
-            <a:r>
-              <a:rPr lang="en-US" altLang="zh-CN" dirty="0" smtClean="0"/>
-              <a:t>Program Map Table</a:t>
-            </a:r>
-            <a:endParaRPr lang="zh-CN" altLang="en-US" dirty="0"/>
-          </a:p>
-        </p:txBody>
-      </p:sp>
-      <p:pic>
-        <p:nvPicPr>
-          <p:cNvPr id="5" name="图片 4"/>
-          <p:cNvPicPr>
-            <a:picLocks noChangeAspect="1"/>
-          </p:cNvPicPr>
-          <p:nvPr/>
-        </p:nvPicPr>
-        <p:blipFill>
-          <a:blip r:embed="rId2">
-            <a:extLst>
-              <a:ext uri="{28A0092B-C50C-407E-A947-70E740481C1C}">
-                <a14:useLocalDpi xmlns:a14="http://schemas.microsoft.com/office/drawing/2010/main" val="0"/>
-              </a:ext>
-            </a:extLst>
-          </a:blip>
-          <a:stretch>
-            <a:fillRect/>
-          </a:stretch>
-        </p:blipFill>
-        <p:spPr>
-          <a:xfrm>
-            <a:off x="1043608" y="843558"/>
-            <a:ext cx="6648450" cy="4185071"/>
-          </a:xfrm>
-          <a:prstGeom prst="rect">
-            <a:avLst/>
-          </a:prstGeom>
-        </p:spPr>
-      </p:pic>
-    </p:spTree>
-    <p:extLst>
-      <p:ext uri="{BB962C8B-B14F-4D97-AF65-F5344CB8AC3E}">
-        <p14:creationId xmlns:p14="http://schemas.microsoft.com/office/powerpoint/2010/main" val="1012964124"/>
-      </p:ext>
-    </p:extLst>
-  </p:cSld>
-  <p:clrMapOvr>
-    <a:masterClrMapping/>
-  </p:clrMapOvr>
-  <p:timing>
-    <p:tnLst>
-      <p:par>
-        <p:cTn id="1" dur="indefinite" restart="never" nodeType="tmRoot"/>
-      </p:par>
-    </p:tnLst>
-  </p:timing>
-</p:sld>
-</file>
-
 <file path=ppt/slides/slide6.xml><?xml version="1.0" encoding="utf-8"?>
 <p:sld xmlns:a="http://schemas.openxmlformats.org/drawingml/2006/main" xmlns:r="http://schemas.openxmlformats.org/officeDocument/2006/relationships" xmlns:p="http://schemas.openxmlformats.org/presentationml/2006/main">
   <p:cSld>
@@ -3779,8 +4881,8 @@
           <a:lstStyle/>
           <a:p>
             <a:r>
-              <a:rPr lang="en-US" altLang="zh-CN" dirty="0" smtClean="0"/>
-              <a:t>Stream Type</a:t>
+              <a:rPr lang="en-US" altLang="zh-CN" dirty="0"/>
+              <a:t>TS Packet Header</a:t>
             </a:r>
             <a:endParaRPr lang="zh-CN" altLang="en-US" dirty="0"/>
           </a:p>
@@ -3788,7 +4890,7 @@
       </p:sp>
       <p:pic>
         <p:nvPicPr>
-          <p:cNvPr id="6" name="内容占位符 5"/>
+          <p:cNvPr id="4" name="内容占位符 3"/>
           <p:cNvPicPr>
             <a:picLocks noGrp="1" noChangeAspect="1"/>
           </p:cNvPicPr>
@@ -3810,28 +4912,21 @@
         </p:blipFill>
         <p:spPr>
           <a:xfrm>
-            <a:off x="1187624" y="843558"/>
-            <a:ext cx="5114767" cy="4032026"/>
+            <a:off x="2303205" y="915988"/>
+            <a:ext cx="4464564" cy="3671887"/>
           </a:xfrm>
         </p:spPr>
       </p:pic>
     </p:spTree>
     <p:extLst>
       <p:ext uri="{BB962C8B-B14F-4D97-AF65-F5344CB8AC3E}">
-        <p14:creationId xmlns:p14="http://schemas.microsoft.com/office/powerpoint/2010/main" val="1796397873"/>
+        <p14:creationId xmlns:p14="http://schemas.microsoft.com/office/powerpoint/2010/main" val="254013173"/>
       </p:ext>
     </p:extLst>
   </p:cSld>
   <p:clrMapOvr>
     <a:masterClrMapping/>
   </p:clrMapOvr>
-  <p:timing>
-    <p:tnLst>
-      <p:par>
-        <p:cTn id="1" dur="indefinite" restart="never" nodeType="tmRoot"/>
-      </p:par>
-    </p:tnLst>
-  </p:timing>
 </p:sld>
 </file>
 
@@ -3868,59 +4963,99 @@
           <a:lstStyle/>
           <a:p>
             <a:r>
+              <a:rPr lang="en-US" altLang="zh-CN" dirty="0"/>
+              <a:t>Program Specific Information</a:t>
+            </a:r>
+            <a:r>
+              <a:rPr lang="en-US" altLang="zh-CN" dirty="0"/>
+              <a:t> </a:t>
+            </a:r>
+            <a:r>
               <a:rPr lang="en-US" altLang="zh-CN" dirty="0" smtClean="0"/>
-              <a:t>Descriptors</a:t>
+              <a:t>(PSI)</a:t>
             </a:r>
             <a:endParaRPr lang="zh-CN" altLang="en-US" dirty="0"/>
           </a:p>
         </p:txBody>
       </p:sp>
-      <p:pic>
-        <p:nvPicPr>
-          <p:cNvPr id="4" name="内容占位符 3"/>
-          <p:cNvPicPr>
-            <a:picLocks noGrp="1" noChangeAspect="1"/>
-          </p:cNvPicPr>
+      <p:sp>
+        <p:nvSpPr>
+          <p:cNvPr id="3" name="内容占位符 2"/>
+          <p:cNvSpPr>
+            <a:spLocks noGrp="1"/>
+          </p:cNvSpPr>
           <p:nvPr>
             <p:ph idx="1"/>
           </p:nvPr>
-        </p:nvPicPr>
-        <p:blipFill>
-          <a:blip r:embed="rId2">
-            <a:extLst>
-              <a:ext uri="{28A0092B-C50C-407E-A947-70E740481C1C}">
-                <a14:useLocalDpi xmlns:a14="http://schemas.microsoft.com/office/drawing/2010/main" val="0"/>
-              </a:ext>
-            </a:extLst>
-          </a:blip>
-          <a:stretch>
-            <a:fillRect/>
-          </a:stretch>
-        </p:blipFill>
-        <p:spPr>
-          <a:xfrm>
-            <a:off x="2697039" y="843558"/>
-            <a:ext cx="3676896" cy="3960440"/>
-          </a:xfrm>
-        </p:spPr>
-      </p:pic>
+        </p:nvSpPr>
+        <p:spPr/>
+        <p:txBody>
+          <a:bodyPr/>
+          <a:lstStyle/>
+          <a:p>
+            <a:r>
+              <a:rPr lang="en-US" altLang="zh-CN" dirty="0"/>
+              <a:t>Program Association </a:t>
+            </a:r>
+            <a:r>
+              <a:rPr lang="en-US" altLang="zh-CN" dirty="0" smtClean="0"/>
+              <a:t>Table (PAT)</a:t>
+            </a:r>
+          </a:p>
+          <a:p>
+            <a:r>
+              <a:rPr lang="en-US" altLang="zh-CN" dirty="0"/>
+              <a:t>Program Map </a:t>
+            </a:r>
+            <a:r>
+              <a:rPr lang="en-US" altLang="zh-CN" dirty="0" smtClean="0"/>
+              <a:t>Table(PMT)</a:t>
+            </a:r>
+          </a:p>
+          <a:p>
+            <a:r>
+              <a:rPr lang="en-US" altLang="zh-CN" strike="sngStrike" dirty="0"/>
+              <a:t>Conditional Access Table </a:t>
+            </a:r>
+            <a:r>
+              <a:rPr lang="en-US" altLang="zh-CN" strike="sngStrike" dirty="0" smtClean="0"/>
+              <a:t>(CAT)</a:t>
+            </a:r>
+          </a:p>
+          <a:p>
+            <a:r>
+              <a:rPr lang="en-US" altLang="zh-CN" strike="sngStrike" dirty="0" smtClean="0"/>
+              <a:t>Network </a:t>
+            </a:r>
+            <a:r>
+              <a:rPr lang="en-US" altLang="zh-CN" strike="sngStrike" dirty="0"/>
+              <a:t>Information Table </a:t>
+            </a:r>
+            <a:r>
+              <a:rPr lang="en-US" altLang="zh-CN" strike="sngStrike" dirty="0" smtClean="0"/>
+              <a:t>(NIT)</a:t>
+            </a:r>
+            <a:r>
+              <a:rPr lang="en-US" altLang="zh-CN" dirty="0"/>
+              <a:t/>
+            </a:r>
+            <a:br>
+              <a:rPr lang="en-US" altLang="zh-CN" dirty="0"/>
+            </a:br>
+            <a:endParaRPr lang="zh-CN" altLang="en-US" dirty="0"/>
+          </a:p>
+        </p:txBody>
+      </p:sp>
     </p:spTree>
     <p:extLst>
       <p:ext uri="{BB962C8B-B14F-4D97-AF65-F5344CB8AC3E}">
-        <p14:creationId xmlns:p14="http://schemas.microsoft.com/office/powerpoint/2010/main" val="1358198774"/>
+        <p14:creationId xmlns:p14="http://schemas.microsoft.com/office/powerpoint/2010/main" val="3134528655"/>
       </p:ext>
     </p:extLst>
   </p:cSld>
   <p:clrMapOvr>
     <a:masterClrMapping/>
   </p:clrMapOvr>
-  <p:timing>
-    <p:tnLst>
-      <p:par>
-        <p:cTn id="1" dur="indefinite" restart="never" nodeType="tmRoot"/>
-      </p:par>
-    </p:tnLst>
-  </p:timing>
 </p:sld>
 </file>
 
@@ -3957,8 +5092,12 @@
           <a:lstStyle/>
           <a:p>
             <a:r>
+              <a:rPr lang="en-US" altLang="zh-CN" dirty="0"/>
+              <a:t>E</a:t>
+            </a:r>
+            <a:r>
               <a:rPr lang="en-US" altLang="zh-CN" dirty="0" smtClean="0"/>
-              <a:t>Descriptor Tags</a:t>
+              <a:t>xample</a:t>
             </a:r>
             <a:endParaRPr lang="zh-CN" altLang="en-US" dirty="0"/>
           </a:p>
@@ -3988,28 +5127,21 @@
         </p:blipFill>
         <p:spPr>
           <a:xfrm>
-            <a:off x="1547664" y="843558"/>
-            <a:ext cx="4417515" cy="4032026"/>
+            <a:off x="2526240" y="915988"/>
+            <a:ext cx="4018495" cy="3671887"/>
           </a:xfrm>
         </p:spPr>
       </p:pic>
     </p:spTree>
     <p:extLst>
       <p:ext uri="{BB962C8B-B14F-4D97-AF65-F5344CB8AC3E}">
-        <p14:creationId xmlns:p14="http://schemas.microsoft.com/office/powerpoint/2010/main" val="2672770762"/>
+        <p14:creationId xmlns:p14="http://schemas.microsoft.com/office/powerpoint/2010/main" val="2002971107"/>
       </p:ext>
     </p:extLst>
   </p:cSld>
   <p:clrMapOvr>
     <a:masterClrMapping/>
   </p:clrMapOvr>
-  <p:timing>
-    <p:tnLst>
-      <p:par>
-        <p:cTn id="1" dur="indefinite" restart="never" nodeType="tmRoot"/>
-      </p:par>
-    </p:tnLst>
-  </p:timing>
 </p:sld>
 </file>
 
@@ -4046,8 +5178,8 @@
           <a:lstStyle/>
           <a:p>
             <a:r>
-              <a:rPr lang="en-US" altLang="zh-CN" dirty="0" smtClean="0"/>
-              <a:t>Registration Descriptor</a:t>
+              <a:rPr lang="en-US" altLang="zh-CN" dirty="0"/>
+              <a:t>Program Association Table</a:t>
             </a:r>
             <a:endParaRPr lang="zh-CN" altLang="en-US" dirty="0"/>
           </a:p>
@@ -4077,28 +5209,21 @@
         </p:blipFill>
         <p:spPr>
           <a:xfrm>
-            <a:off x="1603703" y="915988"/>
-            <a:ext cx="5863569" cy="3671887"/>
+            <a:off x="539552" y="915566"/>
+            <a:ext cx="7425189" cy="3671887"/>
           </a:xfrm>
         </p:spPr>
       </p:pic>
     </p:spTree>
     <p:extLst>
       <p:ext uri="{BB962C8B-B14F-4D97-AF65-F5344CB8AC3E}">
-        <p14:creationId xmlns:p14="http://schemas.microsoft.com/office/powerpoint/2010/main" val="2056758846"/>
+        <p14:creationId xmlns:p14="http://schemas.microsoft.com/office/powerpoint/2010/main" val="4129843889"/>
       </p:ext>
     </p:extLst>
   </p:cSld>
   <p:clrMapOvr>
     <a:masterClrMapping/>
   </p:clrMapOvr>
-  <p:timing>
-    <p:tnLst>
-      <p:par>
-        <p:cTn id="1" dur="indefinite" restart="never" nodeType="tmRoot"/>
-      </p:par>
-    </p:tnLst>
-  </p:timing>
 </p:sld>
 </file>
 
